--- a/ppt.pptx
+++ b/ppt.pptx
@@ -107,6 +107,11 @@
       </a:defRPr>
     </a:lvl9pPr>
   </p:defaultTextStyle>
+  <p:extLst>
+    <p:ext uri="{EFAFB233-063F-42B5-8137-9DF3F51BA10A}">
+      <p15:sldGuideLst xmlns:p15="http://schemas.microsoft.com/office/powerpoint/2012/main"/>
+    </p:ext>
+  </p:extLst>
 </p:presentation>
 </file>
 
@@ -192,7 +197,7 @@
           <a:p>
             <a:fld id="{A9DB02EA-898C-440A-B212-B830373DE321}" type="datetimeFigureOut">
               <a:rPr lang="zh-CN" altLang="en-US" smtClean="0"/>
-              <a:t>2020/10/7</a:t>
+              <a:t>2020/10/8</a:t>
             </a:fld>
             <a:endParaRPr lang="zh-CN" altLang="en-US"/>
           </a:p>
@@ -690,7 +695,7 @@
           <a:p>
             <a:fld id="{79452A32-14EA-4071-9728-75693A311934}" type="datetimeFigureOut">
               <a:rPr lang="zh-CN" altLang="en-US" smtClean="0"/>
-              <a:t>2020/10/7</a:t>
+              <a:t>2020/10/8</a:t>
             </a:fld>
             <a:endParaRPr lang="zh-CN" altLang="en-US"/>
           </a:p>
@@ -888,7 +893,7 @@
           <a:p>
             <a:fld id="{79452A32-14EA-4071-9728-75693A311934}" type="datetimeFigureOut">
               <a:rPr lang="zh-CN" altLang="en-US" smtClean="0"/>
-              <a:t>2020/10/7</a:t>
+              <a:t>2020/10/8</a:t>
             </a:fld>
             <a:endParaRPr lang="zh-CN" altLang="en-US"/>
           </a:p>
@@ -1096,7 +1101,7 @@
           <a:p>
             <a:fld id="{79452A32-14EA-4071-9728-75693A311934}" type="datetimeFigureOut">
               <a:rPr lang="zh-CN" altLang="en-US" smtClean="0"/>
-              <a:t>2020/10/7</a:t>
+              <a:t>2020/10/8</a:t>
             </a:fld>
             <a:endParaRPr lang="zh-CN" altLang="en-US"/>
           </a:p>
@@ -1294,7 +1299,7 @@
           <a:p>
             <a:fld id="{79452A32-14EA-4071-9728-75693A311934}" type="datetimeFigureOut">
               <a:rPr lang="zh-CN" altLang="en-US" smtClean="0"/>
-              <a:t>2020/10/7</a:t>
+              <a:t>2020/10/8</a:t>
             </a:fld>
             <a:endParaRPr lang="zh-CN" altLang="en-US"/>
           </a:p>
@@ -1569,7 +1574,7 @@
           <a:p>
             <a:fld id="{79452A32-14EA-4071-9728-75693A311934}" type="datetimeFigureOut">
               <a:rPr lang="zh-CN" altLang="en-US" smtClean="0"/>
-              <a:t>2020/10/7</a:t>
+              <a:t>2020/10/8</a:t>
             </a:fld>
             <a:endParaRPr lang="zh-CN" altLang="en-US"/>
           </a:p>
@@ -1834,7 +1839,7 @@
           <a:p>
             <a:fld id="{79452A32-14EA-4071-9728-75693A311934}" type="datetimeFigureOut">
               <a:rPr lang="zh-CN" altLang="en-US" smtClean="0"/>
-              <a:t>2020/10/7</a:t>
+              <a:t>2020/10/8</a:t>
             </a:fld>
             <a:endParaRPr lang="zh-CN" altLang="en-US"/>
           </a:p>
@@ -2246,7 +2251,7 @@
           <a:p>
             <a:fld id="{79452A32-14EA-4071-9728-75693A311934}" type="datetimeFigureOut">
               <a:rPr lang="zh-CN" altLang="en-US" smtClean="0"/>
-              <a:t>2020/10/7</a:t>
+              <a:t>2020/10/8</a:t>
             </a:fld>
             <a:endParaRPr lang="zh-CN" altLang="en-US"/>
           </a:p>
@@ -2387,7 +2392,7 @@
           <a:p>
             <a:fld id="{79452A32-14EA-4071-9728-75693A311934}" type="datetimeFigureOut">
               <a:rPr lang="zh-CN" altLang="en-US" smtClean="0"/>
-              <a:t>2020/10/7</a:t>
+              <a:t>2020/10/8</a:t>
             </a:fld>
             <a:endParaRPr lang="zh-CN" altLang="en-US"/>
           </a:p>
@@ -2500,7 +2505,7 @@
           <a:p>
             <a:fld id="{79452A32-14EA-4071-9728-75693A311934}" type="datetimeFigureOut">
               <a:rPr lang="zh-CN" altLang="en-US" smtClean="0"/>
-              <a:t>2020/10/7</a:t>
+              <a:t>2020/10/8</a:t>
             </a:fld>
             <a:endParaRPr lang="zh-CN" altLang="en-US"/>
           </a:p>
@@ -2811,7 +2816,7 @@
           <a:p>
             <a:fld id="{79452A32-14EA-4071-9728-75693A311934}" type="datetimeFigureOut">
               <a:rPr lang="zh-CN" altLang="en-US" smtClean="0"/>
-              <a:t>2020/10/7</a:t>
+              <a:t>2020/10/8</a:t>
             </a:fld>
             <a:endParaRPr lang="zh-CN" altLang="en-US"/>
           </a:p>
@@ -3099,7 +3104,7 @@
           <a:p>
             <a:fld id="{79452A32-14EA-4071-9728-75693A311934}" type="datetimeFigureOut">
               <a:rPr lang="zh-CN" altLang="en-US" smtClean="0"/>
-              <a:t>2020/10/7</a:t>
+              <a:t>2020/10/8</a:t>
             </a:fld>
             <a:endParaRPr lang="zh-CN" altLang="en-US"/>
           </a:p>
@@ -3340,7 +3345,7 @@
           <a:p>
             <a:fld id="{79452A32-14EA-4071-9728-75693A311934}" type="datetimeFigureOut">
               <a:rPr lang="zh-CN" altLang="en-US" smtClean="0"/>
-              <a:t>2020/10/7</a:t>
+              <a:t>2020/10/8</a:t>
             </a:fld>
             <a:endParaRPr lang="zh-CN" altLang="en-US"/>
           </a:p>
@@ -3913,7 +3918,7 @@
         <p:spPr>
           <a:xfrm>
             <a:off x="773421" y="357876"/>
-            <a:ext cx="3880614" cy="584775"/>
+            <a:ext cx="5232523" cy="584775"/>
           </a:xfrm>
           <a:prstGeom prst="rect">
             <a:avLst/>
@@ -3937,6 +3942,18 @@
                 <a:ea typeface="华文楷体" panose="02010600040101010101" pitchFamily="2" charset="-122"/>
               </a:rPr>
               <a:t>Experiment </a:t>
+            </a:r>
+            <a:r>
+              <a:rPr lang="en-US" altLang="zh-CN" sz="3200" b="1" dirty="0" err="1">
+                <a:solidFill>
+                  <a:schemeClr val="tx1">
+                    <a:lumMod val="75000"/>
+                    <a:lumOff val="25000"/>
+                  </a:schemeClr>
+                </a:solidFill>
+                <a:ea typeface="华文楷体" panose="02010600040101010101" pitchFamily="2" charset="-122"/>
+              </a:rPr>
+              <a:t>FindA</a:t>
             </a:r>
             <a:r>
               <a:rPr lang="zh-CN" altLang="en-US" sz="3200" b="1" dirty="0">
@@ -4019,14 +4036,14 @@
           </p:nvPr>
         </p:nvPicPr>
         <p:blipFill>
-          <a:blip r:embed="rId11"/>
+          <a:blip r:embed="rId37"/>
           <a:stretch>
             <a:fillRect/>
           </a:stretch>
         </p:blipFill>
         <p:spPr>
           <a:xfrm>
-            <a:off x="4850888" y="2847360"/>
+            <a:off x="4622289" y="2553691"/>
             <a:ext cx="304800" cy="304800"/>
           </a:xfrm>
           <a:prstGeom prst="rect">
@@ -4057,14 +4074,14 @@
           </p:nvPr>
         </p:nvPicPr>
         <p:blipFill>
-          <a:blip r:embed="rId11"/>
+          <a:blip r:embed="rId37"/>
           <a:stretch>
             <a:fillRect/>
           </a:stretch>
         </p:blipFill>
         <p:spPr>
           <a:xfrm>
-            <a:off x="8728382" y="2849818"/>
+            <a:off x="8499783" y="2556149"/>
             <a:ext cx="304800" cy="304800"/>
           </a:xfrm>
           <a:prstGeom prst="rect">
@@ -4072,12 +4089,126 @@
           </a:prstGeom>
         </p:spPr>
       </p:pic>
-      <p:sp>
-        <p:nvSpPr>
-          <p:cNvPr id="6" name="文本框 5">
-            <a:extLst>
-              <a:ext uri="{FF2B5EF4-FFF2-40B4-BE49-F238E27FC236}">
-                <a16:creationId xmlns:a16="http://schemas.microsoft.com/office/drawing/2014/main" id="{16EFCCB1-100B-4B3A-886F-A7F9816232F3}"/>
+      <p:pic>
+        <p:nvPicPr>
+          <p:cNvPr id="11" name="LJ001-0008_en_linear_original">
+            <a:hlinkClick r:id="" action="ppaction://media"/>
+            <a:extLst>
+              <a:ext uri="{FF2B5EF4-FFF2-40B4-BE49-F238E27FC236}">
+                <a16:creationId xmlns:a16="http://schemas.microsoft.com/office/drawing/2014/main" id="{547F8A23-214F-4B76-8018-CB04306B590C}"/>
+              </a:ext>
+            </a:extLst>
+          </p:cNvPr>
+          <p:cNvPicPr>
+            <a:picLocks noChangeAspect="1"/>
+          </p:cNvPicPr>
+          <p:nvPr>
+            <a:audioFile r:link="rId6"/>
+            <p:extLst>
+              <p:ext uri="{DAA4B4D4-6D71-4841-9C94-3DE7FCFB9230}">
+                <p14:media xmlns:p14="http://schemas.microsoft.com/office/powerpoint/2010/main" r:embed="rId5"/>
+              </p:ext>
+            </p:extLst>
+          </p:nvPr>
+        </p:nvPicPr>
+        <p:blipFill>
+          <a:blip r:embed="rId37"/>
+          <a:stretch>
+            <a:fillRect/>
+          </a:stretch>
+        </p:blipFill>
+        <p:spPr>
+          <a:xfrm>
+            <a:off x="1888921" y="2594559"/>
+            <a:ext cx="304800" cy="304800"/>
+          </a:xfrm>
+          <a:prstGeom prst="rect">
+            <a:avLst/>
+          </a:prstGeom>
+        </p:spPr>
+      </p:pic>
+      <p:pic>
+        <p:nvPicPr>
+          <p:cNvPr id="22" name="LJ001-0008_cn_linear_projected_10000cn">
+            <a:hlinkClick r:id="" action="ppaction://media"/>
+            <a:extLst>
+              <a:ext uri="{FF2B5EF4-FFF2-40B4-BE49-F238E27FC236}">
+                <a16:creationId xmlns:a16="http://schemas.microsoft.com/office/drawing/2014/main" id="{4346B655-FA20-4646-BCD6-9766FC983DC3}"/>
+              </a:ext>
+            </a:extLst>
+          </p:cNvPr>
+          <p:cNvPicPr>
+            <a:picLocks noChangeAspect="1"/>
+          </p:cNvPicPr>
+          <p:nvPr>
+            <a:audioFile r:link="rId8"/>
+            <p:extLst>
+              <p:ext uri="{DAA4B4D4-6D71-4841-9C94-3DE7FCFB9230}">
+                <p14:media xmlns:p14="http://schemas.microsoft.com/office/powerpoint/2010/main" r:embed="rId7"/>
+              </p:ext>
+            </p:extLst>
+          </p:nvPr>
+        </p:nvPicPr>
+        <p:blipFill>
+          <a:blip r:embed="rId37"/>
+          <a:stretch>
+            <a:fillRect/>
+          </a:stretch>
+        </p:blipFill>
+        <p:spPr>
+          <a:xfrm>
+            <a:off x="6655315" y="2553691"/>
+            <a:ext cx="304800" cy="304800"/>
+          </a:xfrm>
+          <a:prstGeom prst="rect">
+            <a:avLst/>
+          </a:prstGeom>
+        </p:spPr>
+      </p:pic>
+      <p:pic>
+        <p:nvPicPr>
+          <p:cNvPr id="8" name="LJ001-0008_cn_linear_projected_kl500">
+            <a:hlinkClick r:id="" action="ppaction://media"/>
+            <a:extLst>
+              <a:ext uri="{FF2B5EF4-FFF2-40B4-BE49-F238E27FC236}">
+                <a16:creationId xmlns:a16="http://schemas.microsoft.com/office/drawing/2014/main" id="{022D10DD-6A32-456C-91D7-6D14E86530BD}"/>
+              </a:ext>
+            </a:extLst>
+          </p:cNvPr>
+          <p:cNvPicPr>
+            <a:picLocks noChangeAspect="1"/>
+          </p:cNvPicPr>
+          <p:nvPr>
+            <a:audioFile r:link="rId10"/>
+            <p:extLst>
+              <p:ext uri="{DAA4B4D4-6D71-4841-9C94-3DE7FCFB9230}">
+                <p14:media xmlns:p14="http://schemas.microsoft.com/office/powerpoint/2010/main" r:embed="rId9"/>
+              </p:ext>
+            </p:extLst>
+          </p:nvPr>
+        </p:nvPicPr>
+        <p:blipFill>
+          <a:blip r:embed="rId37"/>
+          <a:stretch>
+            <a:fillRect/>
+          </a:stretch>
+        </p:blipFill>
+        <p:spPr>
+          <a:xfrm>
+            <a:off x="10587798" y="2553691"/>
+            <a:ext cx="304800" cy="304800"/>
+          </a:xfrm>
+          <a:prstGeom prst="rect">
+            <a:avLst/>
+          </a:prstGeom>
+        </p:spPr>
+      </p:pic>
+      <p:sp>
+        <p:nvSpPr>
+          <p:cNvPr id="23" name="文本框 22">
+            <a:extLst>
+              <a:ext uri="{FF2B5EF4-FFF2-40B4-BE49-F238E27FC236}">
+                <a16:creationId xmlns:a16="http://schemas.microsoft.com/office/drawing/2014/main" id="{A7A57BAD-A96F-4BA1-82B6-7B626D22F70C}"/>
               </a:ext>
             </a:extLst>
           </p:cNvPr>
@@ -4086,7 +4217,77 @@
         </p:nvSpPr>
         <p:spPr>
           <a:xfrm>
-            <a:off x="4340942" y="3475703"/>
+            <a:off x="858696" y="1775034"/>
+            <a:ext cx="6095170" cy="369332"/>
+          </a:xfrm>
+          <a:prstGeom prst="rect">
+            <a:avLst/>
+          </a:prstGeom>
+          <a:noFill/>
+        </p:spPr>
+        <p:txBody>
+          <a:bodyPr wrap="square">
+            <a:spAutoFit/>
+          </a:bodyPr>
+          <a:lstStyle/>
+          <a:p>
+            <a:r>
+              <a:rPr lang="zh-CN" altLang="en-US" dirty="0"/>
+              <a:t>has never been surpassed.</a:t>
+            </a:r>
+          </a:p>
+        </p:txBody>
+      </p:sp>
+      <p:sp>
+        <p:nvSpPr>
+          <p:cNvPr id="24" name="文本框 23">
+            <a:extLst>
+              <a:ext uri="{FF2B5EF4-FFF2-40B4-BE49-F238E27FC236}">
+                <a16:creationId xmlns:a16="http://schemas.microsoft.com/office/drawing/2014/main" id="{E50AEFA0-6D54-48CC-964D-1D390E903A7F}"/>
+              </a:ext>
+            </a:extLst>
+          </p:cNvPr>
+          <p:cNvSpPr txBox="1"/>
+          <p:nvPr/>
+        </p:nvSpPr>
+        <p:spPr>
+          <a:xfrm>
+            <a:off x="858696" y="5195680"/>
+            <a:ext cx="6095170" cy="646331"/>
+          </a:xfrm>
+          <a:prstGeom prst="rect">
+            <a:avLst/>
+          </a:prstGeom>
+          <a:noFill/>
+        </p:spPr>
+        <p:txBody>
+          <a:bodyPr wrap="square">
+            <a:spAutoFit/>
+          </a:bodyPr>
+          <a:lstStyle/>
+          <a:p>
+            <a:r>
+              <a:rPr lang="zh-CN" altLang="en-US" dirty="0"/>
+              <a:t>it is of the first importance that the letter used should be fine in form;</a:t>
+            </a:r>
+          </a:p>
+        </p:txBody>
+      </p:sp>
+      <p:sp>
+        <p:nvSpPr>
+          <p:cNvPr id="25" name="文本框 24">
+            <a:extLst>
+              <a:ext uri="{FF2B5EF4-FFF2-40B4-BE49-F238E27FC236}">
+                <a16:creationId xmlns:a16="http://schemas.microsoft.com/office/drawing/2014/main" id="{86A27D3F-6EBC-45F8-A7E7-57BE027927BE}"/>
+              </a:ext>
+            </a:extLst>
+          </p:cNvPr>
+          <p:cNvSpPr txBox="1"/>
+          <p:nvPr/>
+        </p:nvSpPr>
+        <p:spPr>
+          <a:xfrm>
+            <a:off x="4261429" y="800887"/>
             <a:ext cx="1818968" cy="646331"/>
           </a:xfrm>
           <a:prstGeom prst="rect">
@@ -4124,10 +4325,10 @@
       </p:sp>
       <p:sp>
         <p:nvSpPr>
-          <p:cNvPr id="18" name="文本框 17">
-            <a:extLst>
-              <a:ext uri="{FF2B5EF4-FFF2-40B4-BE49-F238E27FC236}">
-                <a16:creationId xmlns:a16="http://schemas.microsoft.com/office/drawing/2014/main" id="{6CC7770F-964F-45CF-9F85-D6265B6CCFDF}"/>
+          <p:cNvPr id="26" name="文本框 25">
+            <a:extLst>
+              <a:ext uri="{FF2B5EF4-FFF2-40B4-BE49-F238E27FC236}">
+                <a16:creationId xmlns:a16="http://schemas.microsoft.com/office/drawing/2014/main" id="{13129AC9-1898-40DD-B4B4-CFD8AE99DAA5}"/>
               </a:ext>
             </a:extLst>
           </p:cNvPr>
@@ -4136,7 +4337,7 @@
         </p:nvSpPr>
         <p:spPr>
           <a:xfrm>
-            <a:off x="8190271" y="3435043"/>
+            <a:off x="8110758" y="760227"/>
             <a:ext cx="1818968" cy="369332"/>
           </a:xfrm>
           <a:prstGeom prst="rect">
@@ -4176,13 +4377,190 @@
           </a:p>
         </p:txBody>
       </p:sp>
+      <p:sp>
+        <p:nvSpPr>
+          <p:cNvPr id="27" name="文本框 26">
+            <a:extLst>
+              <a:ext uri="{FF2B5EF4-FFF2-40B4-BE49-F238E27FC236}">
+                <a16:creationId xmlns:a16="http://schemas.microsoft.com/office/drawing/2014/main" id="{EFDEE20A-544C-4A96-875C-F31DC3381189}"/>
+              </a:ext>
+            </a:extLst>
+          </p:cNvPr>
+          <p:cNvSpPr txBox="1"/>
+          <p:nvPr/>
+        </p:nvSpPr>
+        <p:spPr>
+          <a:xfrm>
+            <a:off x="1547726" y="786637"/>
+            <a:ext cx="1818968" cy="646331"/>
+          </a:xfrm>
+          <a:prstGeom prst="rect">
+            <a:avLst/>
+          </a:prstGeom>
+          <a:noFill/>
+        </p:spPr>
+        <p:txBody>
+          <a:bodyPr wrap="square" rtlCol="0">
+            <a:spAutoFit/>
+          </a:bodyPr>
+          <a:lstStyle/>
+          <a:p>
+            <a:r>
+              <a:rPr lang="zh-CN" altLang="en-US" dirty="0"/>
+              <a:t>英文原句</a:t>
+            </a:r>
+            <a:endParaRPr lang="en-US" altLang="zh-CN" dirty="0"/>
+          </a:p>
+          <a:p>
+            <a:r>
+              <a:rPr lang="en-US" altLang="zh-CN" dirty="0"/>
+              <a:t>GL</a:t>
+            </a:r>
+            <a:r>
+              <a:rPr lang="zh-CN" altLang="en-US" dirty="0"/>
+              <a:t>合成</a:t>
+            </a:r>
+            <a:endParaRPr lang="zh-CN" altLang="en-US" b="0" dirty="0">
+              <a:solidFill>
+                <a:srgbClr val="D4D4D4"/>
+              </a:solidFill>
+              <a:effectLst/>
+              <a:latin typeface="Consolas" panose="020B0609020204030204" pitchFamily="49" charset="0"/>
+            </a:endParaRPr>
+          </a:p>
+        </p:txBody>
+      </p:sp>
+      <p:sp>
+        <p:nvSpPr>
+          <p:cNvPr id="28" name="文本框 27">
+            <a:extLst>
+              <a:ext uri="{FF2B5EF4-FFF2-40B4-BE49-F238E27FC236}">
+                <a16:creationId xmlns:a16="http://schemas.microsoft.com/office/drawing/2014/main" id="{0E3D72A3-5207-4935-8916-29C09E45E0CB}"/>
+              </a:ext>
+            </a:extLst>
+          </p:cNvPr>
+          <p:cNvSpPr txBox="1"/>
+          <p:nvPr/>
+        </p:nvSpPr>
+        <p:spPr>
+          <a:xfrm>
+            <a:off x="10042797" y="746513"/>
+            <a:ext cx="1818968" cy="646331"/>
+          </a:xfrm>
+          <a:prstGeom prst="rect">
+            <a:avLst/>
+          </a:prstGeom>
+          <a:noFill/>
+        </p:spPr>
+        <p:txBody>
+          <a:bodyPr wrap="square" rtlCol="0">
+            <a:spAutoFit/>
+          </a:bodyPr>
+          <a:lstStyle/>
+          <a:p>
+            <a:r>
+              <a:rPr lang="zh-CN" altLang="en-US" dirty="0"/>
+              <a:t>中文</a:t>
+            </a:r>
+            <a:r>
+              <a:rPr lang="en-US" altLang="zh-CN" dirty="0"/>
+              <a:t>500</a:t>
+            </a:r>
+            <a:r>
+              <a:rPr lang="zh-CN" altLang="en-US" dirty="0"/>
+              <a:t>句话</a:t>
+            </a:r>
+            <a:r>
+              <a:rPr lang="en-US" altLang="zh-CN" dirty="0"/>
+              <a:t>KL</a:t>
+            </a:r>
+          </a:p>
+          <a:p>
+            <a:r>
+              <a:rPr lang="zh-CN" altLang="en-US" dirty="0"/>
+              <a:t>需</a:t>
+            </a:r>
+            <a:r>
+              <a:rPr lang="en-US" altLang="zh-CN" dirty="0"/>
+              <a:t>3</a:t>
+            </a:r>
+            <a:r>
+              <a:rPr lang="zh-CN" altLang="en-US" dirty="0"/>
+              <a:t>小时</a:t>
+            </a:r>
+            <a:endParaRPr lang="en-US" altLang="zh-CN" dirty="0"/>
+          </a:p>
+        </p:txBody>
+      </p:sp>
+      <p:sp>
+        <p:nvSpPr>
+          <p:cNvPr id="29" name="文本框 28">
+            <a:extLst>
+              <a:ext uri="{FF2B5EF4-FFF2-40B4-BE49-F238E27FC236}">
+                <a16:creationId xmlns:a16="http://schemas.microsoft.com/office/drawing/2014/main" id="{47554E12-77B5-4454-B595-3F04FA11BD29}"/>
+              </a:ext>
+            </a:extLst>
+          </p:cNvPr>
+          <p:cNvSpPr txBox="1"/>
+          <p:nvPr/>
+        </p:nvSpPr>
+        <p:spPr>
+          <a:xfrm>
+            <a:off x="6193468" y="800887"/>
+            <a:ext cx="1818968" cy="923330"/>
+          </a:xfrm>
+          <a:prstGeom prst="rect">
+            <a:avLst/>
+          </a:prstGeom>
+          <a:noFill/>
+        </p:spPr>
+        <p:txBody>
+          <a:bodyPr wrap="square" rtlCol="0">
+            <a:spAutoFit/>
+          </a:bodyPr>
+          <a:lstStyle/>
+          <a:p>
+            <a:r>
+              <a:rPr lang="zh-CN" altLang="en-US" dirty="0"/>
+              <a:t>中文</a:t>
+            </a:r>
+            <a:r>
+              <a:rPr lang="en-US" altLang="zh-CN" dirty="0"/>
+              <a:t>10000</a:t>
+            </a:r>
+            <a:r>
+              <a:rPr lang="zh-CN" altLang="en-US" dirty="0"/>
+              <a:t>句话</a:t>
+            </a:r>
+            <a:endParaRPr lang="en-US" altLang="zh-CN" dirty="0"/>
+          </a:p>
+          <a:p>
+            <a:r>
+              <a:rPr lang="zh-CN" altLang="en-US" dirty="0"/>
+              <a:t>欧氏距离</a:t>
+            </a:r>
+            <a:endParaRPr lang="en-US" altLang="zh-CN" dirty="0"/>
+          </a:p>
+          <a:p>
+            <a:r>
+              <a:rPr lang="en-US" altLang="zh-CN" dirty="0"/>
+              <a:t>K-d tree </a:t>
+            </a:r>
+            <a:r>
+              <a:rPr lang="zh-CN" altLang="en-US" dirty="0"/>
+              <a:t>加速</a:t>
+            </a:r>
+            <a:endParaRPr lang="en-US" altLang="zh-CN" dirty="0"/>
+          </a:p>
+        </p:txBody>
+      </p:sp>
       <p:pic>
         <p:nvPicPr>
-          <p:cNvPr id="11" name="LJ001-0008_en_linear_original">
+          <p:cNvPr id="14" name="LJ001-0011_en_linear_original">
             <a:hlinkClick r:id="" action="ppaction://media"/>
             <a:extLst>
               <a:ext uri="{FF2B5EF4-FFF2-40B4-BE49-F238E27FC236}">
-                <a16:creationId xmlns:a16="http://schemas.microsoft.com/office/drawing/2014/main" id="{547F8A23-214F-4B76-8018-CB04306B590C}"/>
+                <a16:creationId xmlns:a16="http://schemas.microsoft.com/office/drawing/2014/main" id="{5137645B-1874-409C-80DC-FC2460CAF57A}"/>
               </a:ext>
             </a:extLst>
           </p:cNvPr>
@@ -4190,23 +4568,23 @@
             <a:picLocks noChangeAspect="1"/>
           </p:cNvPicPr>
           <p:nvPr>
-            <a:audioFile r:link="rId6"/>
+            <a:audioFile r:link="rId12"/>
             <p:extLst>
               <p:ext uri="{DAA4B4D4-6D71-4841-9C94-3DE7FCFB9230}">
-                <p14:media xmlns:p14="http://schemas.microsoft.com/office/powerpoint/2010/main" r:embed="rId5"/>
+                <p14:media xmlns:p14="http://schemas.microsoft.com/office/powerpoint/2010/main" r:embed="rId11"/>
               </p:ext>
             </p:extLst>
           </p:nvPr>
         </p:nvPicPr>
         <p:blipFill>
-          <a:blip r:embed="rId11"/>
+          <a:blip r:embed="rId37"/>
           <a:stretch>
             <a:fillRect/>
           </a:stretch>
         </p:blipFill>
         <p:spPr>
           <a:xfrm>
-            <a:off x="2117520" y="2888228"/>
+            <a:off x="2041321" y="6059393"/>
             <a:ext cx="304800" cy="304800"/>
           </a:xfrm>
           <a:prstGeom prst="rect">
@@ -4214,12 +4592,164 @@
           </a:prstGeom>
         </p:spPr>
       </p:pic>
-      <p:sp>
-        <p:nvSpPr>
-          <p:cNvPr id="19" name="文本框 18">
-            <a:extLst>
-              <a:ext uri="{FF2B5EF4-FFF2-40B4-BE49-F238E27FC236}">
-                <a16:creationId xmlns:a16="http://schemas.microsoft.com/office/drawing/2014/main" id="{34DBB9F5-7780-4399-8E3F-948C9B70D486}"/>
+      <p:pic>
+        <p:nvPicPr>
+          <p:cNvPr id="15" name="LJ001-0011_cn_linear_projected_kl500">
+            <a:hlinkClick r:id="" action="ppaction://media"/>
+            <a:extLst>
+              <a:ext uri="{FF2B5EF4-FFF2-40B4-BE49-F238E27FC236}">
+                <a16:creationId xmlns:a16="http://schemas.microsoft.com/office/drawing/2014/main" id="{3F258FBE-0D55-40F2-8F4D-E3C015AD14A9}"/>
+              </a:ext>
+            </a:extLst>
+          </p:cNvPr>
+          <p:cNvPicPr>
+            <a:picLocks noChangeAspect="1"/>
+          </p:cNvPicPr>
+          <p:nvPr>
+            <a:audioFile r:link="rId14"/>
+            <p:extLst>
+              <p:ext uri="{DAA4B4D4-6D71-4841-9C94-3DE7FCFB9230}">
+                <p14:media xmlns:p14="http://schemas.microsoft.com/office/powerpoint/2010/main" r:embed="rId13"/>
+              </p:ext>
+            </p:extLst>
+          </p:nvPr>
+        </p:nvPicPr>
+        <p:blipFill>
+          <a:blip r:embed="rId37"/>
+          <a:stretch>
+            <a:fillRect/>
+          </a:stretch>
+        </p:blipFill>
+        <p:spPr>
+          <a:xfrm>
+            <a:off x="10647481" y="6069999"/>
+            <a:ext cx="304800" cy="304800"/>
+          </a:xfrm>
+          <a:prstGeom prst="rect">
+            <a:avLst/>
+          </a:prstGeom>
+        </p:spPr>
+      </p:pic>
+      <p:pic>
+        <p:nvPicPr>
+          <p:cNvPr id="16" name="LJ001-0011_cn_linear_projected_en12000">
+            <a:hlinkClick r:id="" action="ppaction://media"/>
+            <a:extLst>
+              <a:ext uri="{FF2B5EF4-FFF2-40B4-BE49-F238E27FC236}">
+                <a16:creationId xmlns:a16="http://schemas.microsoft.com/office/drawing/2014/main" id="{675C0DA1-71F9-4E4F-BBBA-828D6180C689}"/>
+              </a:ext>
+            </a:extLst>
+          </p:cNvPr>
+          <p:cNvPicPr>
+            <a:picLocks noChangeAspect="1"/>
+          </p:cNvPicPr>
+          <p:nvPr>
+            <a:audioFile r:link="rId16"/>
+            <p:extLst>
+              <p:ext uri="{DAA4B4D4-6D71-4841-9C94-3DE7FCFB9230}">
+                <p14:media xmlns:p14="http://schemas.microsoft.com/office/powerpoint/2010/main" r:embed="rId15"/>
+              </p:ext>
+            </p:extLst>
+          </p:nvPr>
+        </p:nvPicPr>
+        <p:blipFill>
+          <a:blip r:embed="rId37"/>
+          <a:stretch>
+            <a:fillRect/>
+          </a:stretch>
+        </p:blipFill>
+        <p:spPr>
+          <a:xfrm>
+            <a:off x="4622289" y="6038243"/>
+            <a:ext cx="304800" cy="304800"/>
+          </a:xfrm>
+          <a:prstGeom prst="rect">
+            <a:avLst/>
+          </a:prstGeom>
+        </p:spPr>
+      </p:pic>
+      <p:pic>
+        <p:nvPicPr>
+          <p:cNvPr id="17" name="LJ001-0011_cn_linear_projected_cn10000">
+            <a:hlinkClick r:id="" action="ppaction://media"/>
+            <a:extLst>
+              <a:ext uri="{FF2B5EF4-FFF2-40B4-BE49-F238E27FC236}">
+                <a16:creationId xmlns:a16="http://schemas.microsoft.com/office/drawing/2014/main" id="{B5709633-3977-4ED2-B6E9-1175F5178B3B}"/>
+              </a:ext>
+            </a:extLst>
+          </p:cNvPr>
+          <p:cNvPicPr>
+            <a:picLocks noChangeAspect="1"/>
+          </p:cNvPicPr>
+          <p:nvPr>
+            <a:audioFile r:link="rId18"/>
+            <p:extLst>
+              <p:ext uri="{DAA4B4D4-6D71-4841-9C94-3DE7FCFB9230}">
+                <p14:media xmlns:p14="http://schemas.microsoft.com/office/powerpoint/2010/main" r:embed="rId17"/>
+              </p:ext>
+            </p:extLst>
+          </p:nvPr>
+        </p:nvPicPr>
+        <p:blipFill>
+          <a:blip r:embed="rId37"/>
+          <a:stretch>
+            <a:fillRect/>
+          </a:stretch>
+        </p:blipFill>
+        <p:spPr>
+          <a:xfrm>
+            <a:off x="6655315" y="6066889"/>
+            <a:ext cx="304800" cy="304800"/>
+          </a:xfrm>
+          <a:prstGeom prst="rect">
+            <a:avLst/>
+          </a:prstGeom>
+        </p:spPr>
+      </p:pic>
+      <p:pic>
+        <p:nvPicPr>
+          <p:cNvPr id="30" name="LJ001-0011_cn_linear_projected_kl50">
+            <a:hlinkClick r:id="" action="ppaction://media"/>
+            <a:extLst>
+              <a:ext uri="{FF2B5EF4-FFF2-40B4-BE49-F238E27FC236}">
+                <a16:creationId xmlns:a16="http://schemas.microsoft.com/office/drawing/2014/main" id="{44DC1917-B021-4985-81A0-1888C66B8A63}"/>
+              </a:ext>
+            </a:extLst>
+          </p:cNvPr>
+          <p:cNvPicPr>
+            <a:picLocks noChangeAspect="1"/>
+          </p:cNvPicPr>
+          <p:nvPr>
+            <a:audioFile r:link="rId20"/>
+            <p:extLst>
+              <p:ext uri="{DAA4B4D4-6D71-4841-9C94-3DE7FCFB9230}">
+                <p14:media xmlns:p14="http://schemas.microsoft.com/office/powerpoint/2010/main" r:embed="rId19"/>
+              </p:ext>
+            </p:extLst>
+          </p:nvPr>
+        </p:nvPicPr>
+        <p:blipFill>
+          <a:blip r:embed="rId37"/>
+          <a:stretch>
+            <a:fillRect/>
+          </a:stretch>
+        </p:blipFill>
+        <p:spPr>
+          <a:xfrm>
+            <a:off x="8498998" y="6059393"/>
+            <a:ext cx="304800" cy="304800"/>
+          </a:xfrm>
+          <a:prstGeom prst="rect">
+            <a:avLst/>
+          </a:prstGeom>
+        </p:spPr>
+      </p:pic>
+      <p:sp>
+        <p:nvSpPr>
+          <p:cNvPr id="32" name="文本框 31">
+            <a:extLst>
+              <a:ext uri="{FF2B5EF4-FFF2-40B4-BE49-F238E27FC236}">
+                <a16:creationId xmlns:a16="http://schemas.microsoft.com/office/drawing/2014/main" id="{B36DAF16-FC43-49B9-8D86-565534FF63D4}"/>
               </a:ext>
             </a:extLst>
           </p:cNvPr>
@@ -4228,8 +4758,8 @@
         </p:nvSpPr>
         <p:spPr>
           <a:xfrm>
-            <a:off x="1627239" y="3461453"/>
-            <a:ext cx="1818968" cy="646331"/>
+            <a:off x="853132" y="3346101"/>
+            <a:ext cx="6095170" cy="369332"/>
           </a:xfrm>
           <a:prstGeom prst="rect">
             <a:avLst/>
@@ -4237,6 +4767,231 @@
           <a:noFill/>
         </p:spPr>
         <p:txBody>
+          <a:bodyPr wrap="square">
+            <a:spAutoFit/>
+          </a:bodyPr>
+          <a:lstStyle/>
+          <a:p>
+            <a:r>
+              <a:rPr lang="zh-CN" altLang="en-US" dirty="0"/>
+              <a:t>in being comparatively modern.</a:t>
+            </a:r>
+          </a:p>
+        </p:txBody>
+      </p:sp>
+      <p:pic>
+        <p:nvPicPr>
+          <p:cNvPr id="33" name="LJ001-0002_en_linear_original">
+            <a:hlinkClick r:id="" action="ppaction://media"/>
+            <a:extLst>
+              <a:ext uri="{FF2B5EF4-FFF2-40B4-BE49-F238E27FC236}">
+                <a16:creationId xmlns:a16="http://schemas.microsoft.com/office/drawing/2014/main" id="{268BFAA6-8E62-4171-8910-E522C8FE7B1F}"/>
+              </a:ext>
+            </a:extLst>
+          </p:cNvPr>
+          <p:cNvPicPr>
+            <a:picLocks noChangeAspect="1"/>
+          </p:cNvPicPr>
+          <p:nvPr>
+            <a:audioFile r:link="rId22"/>
+            <p:extLst>
+              <p:ext uri="{DAA4B4D4-6D71-4841-9C94-3DE7FCFB9230}">
+                <p14:media xmlns:p14="http://schemas.microsoft.com/office/powerpoint/2010/main" r:embed="rId21"/>
+              </p:ext>
+            </p:extLst>
+          </p:nvPr>
+        </p:nvPicPr>
+        <p:blipFill>
+          <a:blip r:embed="rId37"/>
+          <a:stretch>
+            <a:fillRect/>
+          </a:stretch>
+        </p:blipFill>
+        <p:spPr>
+          <a:xfrm>
+            <a:off x="1888921" y="4329155"/>
+            <a:ext cx="304800" cy="304800"/>
+          </a:xfrm>
+          <a:prstGeom prst="rect">
+            <a:avLst/>
+          </a:prstGeom>
+        </p:spPr>
+      </p:pic>
+      <p:pic>
+        <p:nvPicPr>
+          <p:cNvPr id="34" name="LJ001-0002_cn_linear_projected_en12000">
+            <a:hlinkClick r:id="" action="ppaction://media"/>
+            <a:extLst>
+              <a:ext uri="{FF2B5EF4-FFF2-40B4-BE49-F238E27FC236}">
+                <a16:creationId xmlns:a16="http://schemas.microsoft.com/office/drawing/2014/main" id="{8FF11344-D08C-4B85-BDA4-1DBD3A69D14A}"/>
+              </a:ext>
+            </a:extLst>
+          </p:cNvPr>
+          <p:cNvPicPr>
+            <a:picLocks noChangeAspect="1"/>
+          </p:cNvPicPr>
+          <p:nvPr>
+            <a:audioFile r:link="rId24"/>
+            <p:extLst>
+              <p:ext uri="{DAA4B4D4-6D71-4841-9C94-3DE7FCFB9230}">
+                <p14:media xmlns:p14="http://schemas.microsoft.com/office/powerpoint/2010/main" r:embed="rId23"/>
+              </p:ext>
+            </p:extLst>
+          </p:nvPr>
+        </p:nvPicPr>
+        <p:blipFill>
+          <a:blip r:embed="rId37"/>
+          <a:stretch>
+            <a:fillRect/>
+          </a:stretch>
+        </p:blipFill>
+        <p:spPr>
+          <a:xfrm>
+            <a:off x="4622289" y="4329155"/>
+            <a:ext cx="304800" cy="304800"/>
+          </a:xfrm>
+          <a:prstGeom prst="rect">
+            <a:avLst/>
+          </a:prstGeom>
+        </p:spPr>
+      </p:pic>
+      <p:pic>
+        <p:nvPicPr>
+          <p:cNvPr id="36" name="LJ001-0002_cn_linear_projected_cn10000">
+            <a:hlinkClick r:id="" action="ppaction://media"/>
+            <a:extLst>
+              <a:ext uri="{FF2B5EF4-FFF2-40B4-BE49-F238E27FC236}">
+                <a16:creationId xmlns:a16="http://schemas.microsoft.com/office/drawing/2014/main" id="{BFE9F755-D066-4434-B216-72496B52B9E3}"/>
+              </a:ext>
+            </a:extLst>
+          </p:cNvPr>
+          <p:cNvPicPr>
+            <a:picLocks noChangeAspect="1"/>
+          </p:cNvPicPr>
+          <p:nvPr>
+            <a:audioFile r:link="rId26"/>
+            <p:extLst>
+              <p:ext uri="{DAA4B4D4-6D71-4841-9C94-3DE7FCFB9230}">
+                <p14:media xmlns:p14="http://schemas.microsoft.com/office/powerpoint/2010/main" r:embed="rId25"/>
+              </p:ext>
+            </p:extLst>
+          </p:nvPr>
+        </p:nvPicPr>
+        <p:blipFill>
+          <a:blip r:embed="rId37"/>
+          <a:stretch>
+            <a:fillRect/>
+          </a:stretch>
+        </p:blipFill>
+        <p:spPr>
+          <a:xfrm>
+            <a:off x="6655315" y="4320438"/>
+            <a:ext cx="304800" cy="304800"/>
+          </a:xfrm>
+          <a:prstGeom prst="rect">
+            <a:avLst/>
+          </a:prstGeom>
+        </p:spPr>
+      </p:pic>
+      <p:pic>
+        <p:nvPicPr>
+          <p:cNvPr id="37" name="LJ001-0002_cn_linear_projected_kl50">
+            <a:hlinkClick r:id="" action="ppaction://media"/>
+            <a:extLst>
+              <a:ext uri="{FF2B5EF4-FFF2-40B4-BE49-F238E27FC236}">
+                <a16:creationId xmlns:a16="http://schemas.microsoft.com/office/drawing/2014/main" id="{148C8C85-3DAE-4072-81A2-1EA11F8AB3C3}"/>
+              </a:ext>
+            </a:extLst>
+          </p:cNvPr>
+          <p:cNvPicPr>
+            <a:picLocks noChangeAspect="1"/>
+          </p:cNvPicPr>
+          <p:nvPr>
+            <a:audioFile r:link="rId28"/>
+            <p:extLst>
+              <p:ext uri="{DAA4B4D4-6D71-4841-9C94-3DE7FCFB9230}">
+                <p14:media xmlns:p14="http://schemas.microsoft.com/office/powerpoint/2010/main" r:embed="rId27"/>
+              </p:ext>
+            </p:extLst>
+          </p:nvPr>
+        </p:nvPicPr>
+        <p:blipFill>
+          <a:blip r:embed="rId37"/>
+          <a:stretch>
+            <a:fillRect/>
+          </a:stretch>
+        </p:blipFill>
+        <p:spPr>
+          <a:xfrm>
+            <a:off x="8498998" y="4329155"/>
+            <a:ext cx="304800" cy="304800"/>
+          </a:xfrm>
+          <a:prstGeom prst="rect">
+            <a:avLst/>
+          </a:prstGeom>
+        </p:spPr>
+      </p:pic>
+      <p:pic>
+        <p:nvPicPr>
+          <p:cNvPr id="38" name="LJ001-0002_cn_linear_projected_kl500">
+            <a:hlinkClick r:id="" action="ppaction://media"/>
+            <a:extLst>
+              <a:ext uri="{FF2B5EF4-FFF2-40B4-BE49-F238E27FC236}">
+                <a16:creationId xmlns:a16="http://schemas.microsoft.com/office/drawing/2014/main" id="{2F555B60-294F-4505-873D-0CD1585EC6E1}"/>
+              </a:ext>
+            </a:extLst>
+          </p:cNvPr>
+          <p:cNvPicPr>
+            <a:picLocks noChangeAspect="1"/>
+          </p:cNvPicPr>
+          <p:nvPr>
+            <a:audioFile r:link="rId30"/>
+            <p:extLst>
+              <p:ext uri="{DAA4B4D4-6D71-4841-9C94-3DE7FCFB9230}">
+                <p14:media xmlns:p14="http://schemas.microsoft.com/office/powerpoint/2010/main" r:embed="rId29"/>
+              </p:ext>
+            </p:extLst>
+          </p:nvPr>
+        </p:nvPicPr>
+        <p:blipFill>
+          <a:blip r:embed="rId37"/>
+          <a:stretch>
+            <a:fillRect/>
+          </a:stretch>
+        </p:blipFill>
+        <p:spPr>
+          <a:xfrm>
+            <a:off x="10587798" y="4320647"/>
+            <a:ext cx="304800" cy="304800"/>
+          </a:xfrm>
+          <a:prstGeom prst="rect">
+            <a:avLst/>
+          </a:prstGeom>
+        </p:spPr>
+      </p:pic>
+      <p:sp>
+        <p:nvSpPr>
+          <p:cNvPr id="39" name="文本框 38">
+            <a:extLst>
+              <a:ext uri="{FF2B5EF4-FFF2-40B4-BE49-F238E27FC236}">
+                <a16:creationId xmlns:a16="http://schemas.microsoft.com/office/drawing/2014/main" id="{AB0F1883-D726-4D05-B554-3872033CF433}"/>
+              </a:ext>
+            </a:extLst>
+          </p:cNvPr>
+          <p:cNvSpPr txBox="1"/>
+          <p:nvPr/>
+        </p:nvSpPr>
+        <p:spPr>
+          <a:xfrm>
+            <a:off x="59838" y="800887"/>
+            <a:ext cx="1818968" cy="369332"/>
+          </a:xfrm>
+          <a:prstGeom prst="rect">
+            <a:avLst/>
+          </a:prstGeom>
+          <a:noFill/>
+        </p:spPr>
+        <p:txBody>
           <a:bodyPr wrap="square" rtlCol="0">
             <a:spAutoFit/>
           </a:bodyPr>
@@ -4244,18 +4999,7 @@
           <a:p>
             <a:r>
               <a:rPr lang="zh-CN" altLang="en-US" dirty="0"/>
-              <a:t>英文原句</a:t>
-            </a:r>
-            <a:endParaRPr lang="en-US" altLang="zh-CN" dirty="0"/>
-          </a:p>
-          <a:p>
-            <a:r>
-              <a:rPr lang="en-US" altLang="zh-CN" dirty="0"/>
-              <a:t>GL</a:t>
-            </a:r>
-            <a:r>
-              <a:rPr lang="zh-CN" altLang="en-US" dirty="0"/>
-              <a:t>合成</a:t>
+              <a:t>中文音色</a:t>
             </a:r>
             <a:endParaRPr lang="zh-CN" altLang="en-US" b="0" dirty="0">
               <a:solidFill>
@@ -4267,129 +5011,13 @@
           </a:p>
         </p:txBody>
       </p:sp>
-      <p:sp>
-        <p:nvSpPr>
-          <p:cNvPr id="20" name="文本框 19">
-            <a:extLst>
-              <a:ext uri="{FF2B5EF4-FFF2-40B4-BE49-F238E27FC236}">
-                <a16:creationId xmlns:a16="http://schemas.microsoft.com/office/drawing/2014/main" id="{3B27C838-C3A3-4B92-B777-D9A938A4A4D3}"/>
-              </a:ext>
-            </a:extLst>
-          </p:cNvPr>
-          <p:cNvSpPr txBox="1"/>
-          <p:nvPr/>
-        </p:nvSpPr>
-        <p:spPr>
-          <a:xfrm>
-            <a:off x="10122310" y="3421329"/>
-            <a:ext cx="1818968" cy="369332"/>
-          </a:xfrm>
-          <a:prstGeom prst="rect">
-            <a:avLst/>
-          </a:prstGeom>
-          <a:noFill/>
-        </p:spPr>
-        <p:txBody>
-          <a:bodyPr wrap="square" rtlCol="0">
-            <a:spAutoFit/>
-          </a:bodyPr>
-          <a:lstStyle/>
-          <a:p>
-            <a:r>
-              <a:rPr lang="zh-CN" altLang="en-US" dirty="0"/>
-              <a:t>中文</a:t>
-            </a:r>
-            <a:r>
-              <a:rPr lang="en-US" altLang="zh-CN" dirty="0"/>
-              <a:t>500</a:t>
-            </a:r>
-            <a:r>
-              <a:rPr lang="zh-CN" altLang="en-US" dirty="0"/>
-              <a:t>句话</a:t>
-            </a:r>
-            <a:r>
-              <a:rPr lang="en-US" altLang="zh-CN" dirty="0"/>
-              <a:t>KL</a:t>
-            </a:r>
-            <a:endParaRPr lang="zh-CN" altLang="en-US" b="0" dirty="0">
-              <a:solidFill>
-                <a:srgbClr val="D4D4D4"/>
-              </a:solidFill>
-              <a:effectLst/>
-              <a:latin typeface="Consolas" panose="020B0609020204030204" pitchFamily="49" charset="0"/>
-            </a:endParaRPr>
-          </a:p>
-        </p:txBody>
-      </p:sp>
-      <p:sp>
-        <p:nvSpPr>
-          <p:cNvPr id="21" name="文本框 20">
-            <a:extLst>
-              <a:ext uri="{FF2B5EF4-FFF2-40B4-BE49-F238E27FC236}">
-                <a16:creationId xmlns:a16="http://schemas.microsoft.com/office/drawing/2014/main" id="{980ADD35-621C-49CC-9FCB-3504FA5CB196}"/>
-              </a:ext>
-            </a:extLst>
-          </p:cNvPr>
-          <p:cNvSpPr txBox="1"/>
-          <p:nvPr/>
-        </p:nvSpPr>
-        <p:spPr>
-          <a:xfrm>
-            <a:off x="6272981" y="3475703"/>
-            <a:ext cx="1818968" cy="923330"/>
-          </a:xfrm>
-          <a:prstGeom prst="rect">
-            <a:avLst/>
-          </a:prstGeom>
-          <a:noFill/>
-        </p:spPr>
-        <p:txBody>
-          <a:bodyPr wrap="square" rtlCol="0">
-            <a:spAutoFit/>
-          </a:bodyPr>
-          <a:lstStyle/>
-          <a:p>
-            <a:r>
-              <a:rPr lang="zh-CN" altLang="en-US" dirty="0"/>
-              <a:t>中文</a:t>
-            </a:r>
-            <a:r>
-              <a:rPr lang="en-US" altLang="zh-CN" dirty="0"/>
-              <a:t>10000</a:t>
-            </a:r>
-            <a:r>
-              <a:rPr lang="zh-CN" altLang="en-US" dirty="0"/>
-              <a:t>句话</a:t>
-            </a:r>
-            <a:endParaRPr lang="en-US" altLang="zh-CN" dirty="0"/>
-          </a:p>
-          <a:p>
-            <a:r>
-              <a:rPr lang="zh-CN" altLang="en-US" dirty="0"/>
-              <a:t>欧氏距离</a:t>
-            </a:r>
-            <a:endParaRPr lang="en-US" altLang="zh-CN" dirty="0"/>
-          </a:p>
-          <a:p>
-            <a:r>
-              <a:rPr lang="en-US" altLang="zh-CN" dirty="0"/>
-              <a:t>K-d tree </a:t>
-            </a:r>
-            <a:r>
-              <a:rPr lang="zh-CN" altLang="en-US" dirty="0"/>
-              <a:t>加速</a:t>
-            </a:r>
-            <a:endParaRPr lang="en-US" altLang="zh-CN" dirty="0"/>
-          </a:p>
-        </p:txBody>
-      </p:sp>
       <p:pic>
         <p:nvPicPr>
-          <p:cNvPr id="22" name="LJ001-0008_cn_linear_projected_10000cn">
+          <p:cNvPr id="40" name="000001">
             <a:hlinkClick r:id="" action="ppaction://media"/>
             <a:extLst>
               <a:ext uri="{FF2B5EF4-FFF2-40B4-BE49-F238E27FC236}">
-                <a16:creationId xmlns:a16="http://schemas.microsoft.com/office/drawing/2014/main" id="{4346B655-FA20-4646-BCD6-9766FC983DC3}"/>
+                <a16:creationId xmlns:a16="http://schemas.microsoft.com/office/drawing/2014/main" id="{0407E89C-2F5F-4A03-B86D-59743651A969}"/>
               </a:ext>
             </a:extLst>
           </p:cNvPr>
@@ -4397,23 +5025,61 @@
             <a:picLocks noChangeAspect="1"/>
           </p:cNvPicPr>
           <p:nvPr>
-            <a:audioFile r:link="rId8"/>
+            <a:audioFile r:link="rId32"/>
             <p:extLst>
               <p:ext uri="{DAA4B4D4-6D71-4841-9C94-3DE7FCFB9230}">
-                <p14:media xmlns:p14="http://schemas.microsoft.com/office/powerpoint/2010/main" r:embed="rId7"/>
+                <p14:media xmlns:p14="http://schemas.microsoft.com/office/powerpoint/2010/main" r:embed="rId31"/>
               </p:ext>
             </p:extLst>
           </p:nvPr>
         </p:nvPicPr>
         <p:blipFill>
-          <a:blip r:embed="rId11"/>
+          <a:blip r:embed="rId37"/>
           <a:stretch>
             <a:fillRect/>
           </a:stretch>
         </p:blipFill>
         <p:spPr>
           <a:xfrm>
-            <a:off x="6883914" y="2847360"/>
+            <a:off x="157037" y="1240653"/>
+            <a:ext cx="304800" cy="304800"/>
+          </a:xfrm>
+          <a:prstGeom prst="rect">
+            <a:avLst/>
+          </a:prstGeom>
+        </p:spPr>
+      </p:pic>
+      <p:pic>
+        <p:nvPicPr>
+          <p:cNvPr id="41" name="000002">
+            <a:hlinkClick r:id="" action="ppaction://media"/>
+            <a:extLst>
+              <a:ext uri="{FF2B5EF4-FFF2-40B4-BE49-F238E27FC236}">
+                <a16:creationId xmlns:a16="http://schemas.microsoft.com/office/drawing/2014/main" id="{6AAE75A7-5582-404F-AF43-E9B3E7B73390}"/>
+              </a:ext>
+            </a:extLst>
+          </p:cNvPr>
+          <p:cNvPicPr>
+            <a:picLocks noChangeAspect="1"/>
+          </p:cNvPicPr>
+          <p:nvPr>
+            <a:audioFile r:link="rId34"/>
+            <p:extLst>
+              <p:ext uri="{DAA4B4D4-6D71-4841-9C94-3DE7FCFB9230}">
+                <p14:media xmlns:p14="http://schemas.microsoft.com/office/powerpoint/2010/main" r:embed="rId33"/>
+              </p:ext>
+            </p:extLst>
+          </p:nvPr>
+        </p:nvPicPr>
+        <p:blipFill>
+          <a:blip r:embed="rId37"/>
+          <a:stretch>
+            <a:fillRect/>
+          </a:stretch>
+        </p:blipFill>
+        <p:spPr>
+          <a:xfrm>
+            <a:off x="750259" y="1254803"/>
             <a:ext cx="304800" cy="304800"/>
           </a:xfrm>
           <a:prstGeom prst="rect">
@@ -4579,6 +5245,461 @@
                       </p:childTnLst>
                     </p:cTn>
                   </p:par>
+                  <p:par>
+                    <p:cTn id="19" fill="hold">
+                      <p:stCondLst>
+                        <p:cond delay="indefinite"/>
+                      </p:stCondLst>
+                      <p:childTnLst>
+                        <p:par>
+                          <p:cTn id="20" fill="hold">
+                            <p:stCondLst>
+                              <p:cond delay="0"/>
+                            </p:stCondLst>
+                            <p:childTnLst>
+                              <p:par>
+                                <p:cTn id="21" presetID="1" presetClass="mediacall" presetSubtype="0" fill="hold" nodeType="clickEffect">
+                                  <p:stCondLst>
+                                    <p:cond delay="0"/>
+                                  </p:stCondLst>
+                                  <p:childTnLst>
+                                    <p:cmd type="call" cmd="playFrom(0.0)">
+                                      <p:cBhvr>
+                                        <p:cTn id="22" dur="1780" fill="hold"/>
+                                        <p:tgtEl>
+                                          <p:spTgt spid="8"/>
+                                        </p:tgtEl>
+                                      </p:cBhvr>
+                                    </p:cmd>
+                                  </p:childTnLst>
+                                </p:cTn>
+                              </p:par>
+                            </p:childTnLst>
+                          </p:cTn>
+                        </p:par>
+                      </p:childTnLst>
+                    </p:cTn>
+                  </p:par>
+                  <p:par>
+                    <p:cTn id="23" fill="hold">
+                      <p:stCondLst>
+                        <p:cond delay="indefinite"/>
+                      </p:stCondLst>
+                      <p:childTnLst>
+                        <p:par>
+                          <p:cTn id="24" fill="hold">
+                            <p:stCondLst>
+                              <p:cond delay="0"/>
+                            </p:stCondLst>
+                            <p:childTnLst>
+                              <p:par>
+                                <p:cTn id="25" presetID="1" presetClass="mediacall" presetSubtype="0" fill="hold" nodeType="clickEffect">
+                                  <p:stCondLst>
+                                    <p:cond delay="0"/>
+                                  </p:stCondLst>
+                                  <p:childTnLst>
+                                    <p:cmd type="call" cmd="playFrom(0.0)">
+                                      <p:cBhvr>
+                                        <p:cTn id="26" dur="4510" fill="hold"/>
+                                        <p:tgtEl>
+                                          <p:spTgt spid="14"/>
+                                        </p:tgtEl>
+                                      </p:cBhvr>
+                                    </p:cmd>
+                                  </p:childTnLst>
+                                </p:cTn>
+                              </p:par>
+                            </p:childTnLst>
+                          </p:cTn>
+                        </p:par>
+                      </p:childTnLst>
+                    </p:cTn>
+                  </p:par>
+                  <p:par>
+                    <p:cTn id="27" fill="hold">
+                      <p:stCondLst>
+                        <p:cond delay="indefinite"/>
+                      </p:stCondLst>
+                      <p:childTnLst>
+                        <p:par>
+                          <p:cTn id="28" fill="hold">
+                            <p:stCondLst>
+                              <p:cond delay="0"/>
+                            </p:stCondLst>
+                            <p:childTnLst>
+                              <p:par>
+                                <p:cTn id="29" presetID="1" presetClass="mediacall" presetSubtype="0" fill="hold" nodeType="clickEffect">
+                                  <p:stCondLst>
+                                    <p:cond delay="0"/>
+                                  </p:stCondLst>
+                                  <p:childTnLst>
+                                    <p:cmd type="call" cmd="playFrom(0.0)">
+                                      <p:cBhvr>
+                                        <p:cTn id="30" dur="4510" fill="hold"/>
+                                        <p:tgtEl>
+                                          <p:spTgt spid="15"/>
+                                        </p:tgtEl>
+                                      </p:cBhvr>
+                                    </p:cmd>
+                                  </p:childTnLst>
+                                </p:cTn>
+                              </p:par>
+                            </p:childTnLst>
+                          </p:cTn>
+                        </p:par>
+                      </p:childTnLst>
+                    </p:cTn>
+                  </p:par>
+                  <p:par>
+                    <p:cTn id="31" fill="hold">
+                      <p:stCondLst>
+                        <p:cond delay="indefinite"/>
+                      </p:stCondLst>
+                      <p:childTnLst>
+                        <p:par>
+                          <p:cTn id="32" fill="hold">
+                            <p:stCondLst>
+                              <p:cond delay="0"/>
+                            </p:stCondLst>
+                            <p:childTnLst>
+                              <p:par>
+                                <p:cTn id="33" presetID="1" presetClass="mediacall" presetSubtype="0" fill="hold" nodeType="clickEffect">
+                                  <p:stCondLst>
+                                    <p:cond delay="0"/>
+                                  </p:stCondLst>
+                                  <p:childTnLst>
+                                    <p:cmd type="call" cmd="playFrom(0.0)">
+                                      <p:cBhvr>
+                                        <p:cTn id="34" dur="4510" fill="hold"/>
+                                        <p:tgtEl>
+                                          <p:spTgt spid="16"/>
+                                        </p:tgtEl>
+                                      </p:cBhvr>
+                                    </p:cmd>
+                                  </p:childTnLst>
+                                </p:cTn>
+                              </p:par>
+                            </p:childTnLst>
+                          </p:cTn>
+                        </p:par>
+                      </p:childTnLst>
+                    </p:cTn>
+                  </p:par>
+                  <p:par>
+                    <p:cTn id="35" fill="hold">
+                      <p:stCondLst>
+                        <p:cond delay="indefinite"/>
+                      </p:stCondLst>
+                      <p:childTnLst>
+                        <p:par>
+                          <p:cTn id="36" fill="hold">
+                            <p:stCondLst>
+                              <p:cond delay="0"/>
+                            </p:stCondLst>
+                            <p:childTnLst>
+                              <p:par>
+                                <p:cTn id="37" presetID="1" presetClass="mediacall" presetSubtype="0" fill="hold" nodeType="clickEffect">
+                                  <p:stCondLst>
+                                    <p:cond delay="0"/>
+                                  </p:stCondLst>
+                                  <p:childTnLst>
+                                    <p:cmd type="call" cmd="playFrom(0.0)">
+                                      <p:cBhvr>
+                                        <p:cTn id="38" dur="4510" fill="hold"/>
+                                        <p:tgtEl>
+                                          <p:spTgt spid="17"/>
+                                        </p:tgtEl>
+                                      </p:cBhvr>
+                                    </p:cmd>
+                                  </p:childTnLst>
+                                </p:cTn>
+                              </p:par>
+                            </p:childTnLst>
+                          </p:cTn>
+                        </p:par>
+                      </p:childTnLst>
+                    </p:cTn>
+                  </p:par>
+                  <p:par>
+                    <p:cTn id="39" fill="hold">
+                      <p:stCondLst>
+                        <p:cond delay="indefinite"/>
+                      </p:stCondLst>
+                      <p:childTnLst>
+                        <p:par>
+                          <p:cTn id="40" fill="hold">
+                            <p:stCondLst>
+                              <p:cond delay="0"/>
+                            </p:stCondLst>
+                            <p:childTnLst>
+                              <p:par>
+                                <p:cTn id="41" presetID="1" presetClass="mediacall" presetSubtype="0" fill="hold" nodeType="clickEffect">
+                                  <p:stCondLst>
+                                    <p:cond delay="0"/>
+                                  </p:stCondLst>
+                                  <p:childTnLst>
+                                    <p:cmd type="call" cmd="playFrom(0.0)">
+                                      <p:cBhvr>
+                                        <p:cTn id="42" dur="4510" fill="hold"/>
+                                        <p:tgtEl>
+                                          <p:spTgt spid="30"/>
+                                        </p:tgtEl>
+                                      </p:cBhvr>
+                                    </p:cmd>
+                                  </p:childTnLst>
+                                </p:cTn>
+                              </p:par>
+                            </p:childTnLst>
+                          </p:cTn>
+                        </p:par>
+                      </p:childTnLst>
+                    </p:cTn>
+                  </p:par>
+                  <p:par>
+                    <p:cTn id="43" fill="hold">
+                      <p:stCondLst>
+                        <p:cond delay="indefinite"/>
+                      </p:stCondLst>
+                      <p:childTnLst>
+                        <p:par>
+                          <p:cTn id="44" fill="hold">
+                            <p:stCondLst>
+                              <p:cond delay="0"/>
+                            </p:stCondLst>
+                            <p:childTnLst>
+                              <p:par>
+                                <p:cTn id="45" presetID="1" presetClass="mediacall" presetSubtype="0" fill="hold" nodeType="clickEffect">
+                                  <p:stCondLst>
+                                    <p:cond delay="0"/>
+                                  </p:stCondLst>
+                                  <p:childTnLst>
+                                    <p:cmd type="call" cmd="playFrom(0.0)">
+                                      <p:cBhvr>
+                                        <p:cTn id="46" dur="1895" fill="hold"/>
+                                        <p:tgtEl>
+                                          <p:spTgt spid="33"/>
+                                        </p:tgtEl>
+                                      </p:cBhvr>
+                                    </p:cmd>
+                                  </p:childTnLst>
+                                </p:cTn>
+                              </p:par>
+                            </p:childTnLst>
+                          </p:cTn>
+                        </p:par>
+                      </p:childTnLst>
+                    </p:cTn>
+                  </p:par>
+                  <p:par>
+                    <p:cTn id="47" fill="hold">
+                      <p:stCondLst>
+                        <p:cond delay="indefinite"/>
+                      </p:stCondLst>
+                      <p:childTnLst>
+                        <p:par>
+                          <p:cTn id="48" fill="hold">
+                            <p:stCondLst>
+                              <p:cond delay="0"/>
+                            </p:stCondLst>
+                            <p:childTnLst>
+                              <p:par>
+                                <p:cTn id="49" presetID="1" presetClass="mediacall" presetSubtype="0" fill="hold" nodeType="clickEffect">
+                                  <p:stCondLst>
+                                    <p:cond delay="0"/>
+                                  </p:stCondLst>
+                                  <p:childTnLst>
+                                    <p:cmd type="call" cmd="playFrom(0.0)">
+                                      <p:cBhvr>
+                                        <p:cTn id="50" dur="1895" fill="hold"/>
+                                        <p:tgtEl>
+                                          <p:spTgt spid="34"/>
+                                        </p:tgtEl>
+                                      </p:cBhvr>
+                                    </p:cmd>
+                                  </p:childTnLst>
+                                </p:cTn>
+                              </p:par>
+                            </p:childTnLst>
+                          </p:cTn>
+                        </p:par>
+                      </p:childTnLst>
+                    </p:cTn>
+                  </p:par>
+                  <p:par>
+                    <p:cTn id="51" fill="hold">
+                      <p:stCondLst>
+                        <p:cond delay="indefinite"/>
+                      </p:stCondLst>
+                      <p:childTnLst>
+                        <p:par>
+                          <p:cTn id="52" fill="hold">
+                            <p:stCondLst>
+                              <p:cond delay="0"/>
+                            </p:stCondLst>
+                            <p:childTnLst>
+                              <p:par>
+                                <p:cTn id="53" presetID="1" presetClass="mediacall" presetSubtype="0" fill="hold" nodeType="clickEffect">
+                                  <p:stCondLst>
+                                    <p:cond delay="0"/>
+                                  </p:stCondLst>
+                                  <p:childTnLst>
+                                    <p:cmd type="call" cmd="playFrom(0.0)">
+                                      <p:cBhvr>
+                                        <p:cTn id="54" dur="1895" fill="hold"/>
+                                        <p:tgtEl>
+                                          <p:spTgt spid="36"/>
+                                        </p:tgtEl>
+                                      </p:cBhvr>
+                                    </p:cmd>
+                                  </p:childTnLst>
+                                </p:cTn>
+                              </p:par>
+                            </p:childTnLst>
+                          </p:cTn>
+                        </p:par>
+                      </p:childTnLst>
+                    </p:cTn>
+                  </p:par>
+                  <p:par>
+                    <p:cTn id="55" fill="hold">
+                      <p:stCondLst>
+                        <p:cond delay="indefinite"/>
+                      </p:stCondLst>
+                      <p:childTnLst>
+                        <p:par>
+                          <p:cTn id="56" fill="hold">
+                            <p:stCondLst>
+                              <p:cond delay="0"/>
+                            </p:stCondLst>
+                            <p:childTnLst>
+                              <p:par>
+                                <p:cTn id="57" presetID="1" presetClass="mediacall" presetSubtype="0" fill="hold" nodeType="clickEffect">
+                                  <p:stCondLst>
+                                    <p:cond delay="0"/>
+                                  </p:stCondLst>
+                                  <p:childTnLst>
+                                    <p:cmd type="call" cmd="playFrom(0.0)">
+                                      <p:cBhvr>
+                                        <p:cTn id="58" dur="1895" fill="hold"/>
+                                        <p:tgtEl>
+                                          <p:spTgt spid="37"/>
+                                        </p:tgtEl>
+                                      </p:cBhvr>
+                                    </p:cmd>
+                                  </p:childTnLst>
+                                </p:cTn>
+                              </p:par>
+                            </p:childTnLst>
+                          </p:cTn>
+                        </p:par>
+                      </p:childTnLst>
+                    </p:cTn>
+                  </p:par>
+                  <p:par>
+                    <p:cTn id="59" fill="hold">
+                      <p:stCondLst>
+                        <p:cond delay="indefinite"/>
+                      </p:stCondLst>
+                      <p:childTnLst>
+                        <p:par>
+                          <p:cTn id="60" fill="hold">
+                            <p:stCondLst>
+                              <p:cond delay="0"/>
+                            </p:stCondLst>
+                            <p:childTnLst>
+                              <p:par>
+                                <p:cTn id="61" presetID="1" presetClass="mediacall" presetSubtype="0" fill="hold" nodeType="clickEffect">
+                                  <p:stCondLst>
+                                    <p:cond delay="0"/>
+                                  </p:stCondLst>
+                                  <p:childTnLst>
+                                    <p:cmd type="call" cmd="playFrom(0.0)">
+                                      <p:cBhvr>
+                                        <p:cTn id="62" dur="1895" fill="hold"/>
+                                        <p:tgtEl>
+                                          <p:spTgt spid="38"/>
+                                        </p:tgtEl>
+                                      </p:cBhvr>
+                                    </p:cmd>
+                                  </p:childTnLst>
+                                </p:cTn>
+                              </p:par>
+                            </p:childTnLst>
+                          </p:cTn>
+                        </p:par>
+                      </p:childTnLst>
+                    </p:cTn>
+                  </p:par>
+                  <p:par>
+                    <p:cTn id="63" fill="hold">
+                      <p:stCondLst>
+                        <p:cond delay="indefinite"/>
+                      </p:stCondLst>
+                      <p:childTnLst>
+                        <p:par>
+                          <p:cTn id="64" fill="hold">
+                            <p:stCondLst>
+                              <p:cond delay="0"/>
+                            </p:stCondLst>
+                            <p:childTnLst>
+                              <p:par>
+                                <p:cTn id="65" presetID="1" presetClass="mediacall" presetSubtype="0" fill="hold" nodeType="clickEffect">
+                                  <p:stCondLst>
+                                    <p:cond delay="0"/>
+                                  </p:stCondLst>
+                                  <p:childTnLst>
+                                    <p:cmd type="call" cmd="playFrom(0.0)">
+                                      <p:cBhvr>
+                                        <p:cTn id="66" dur="4347" fill="hold"/>
+                                        <p:tgtEl>
+                                          <p:spTgt spid="40"/>
+                                        </p:tgtEl>
+                                      </p:cBhvr>
+                                    </p:cmd>
+                                  </p:childTnLst>
+                                </p:cTn>
+                              </p:par>
+                            </p:childTnLst>
+                          </p:cTn>
+                        </p:par>
+                      </p:childTnLst>
+                    </p:cTn>
+                  </p:par>
+                  <p:par>
+                    <p:cTn id="67" fill="hold">
+                      <p:stCondLst>
+                        <p:cond delay="indefinite"/>
+                      </p:stCondLst>
+                      <p:childTnLst>
+                        <p:par>
+                          <p:cTn id="68" fill="hold">
+                            <p:stCondLst>
+                              <p:cond delay="0"/>
+                            </p:stCondLst>
+                            <p:childTnLst>
+                              <p:par>
+                                <p:cTn id="69" presetID="1" presetClass="mediacall" presetSubtype="0" fill="hold" nodeType="clickEffect">
+                                  <p:stCondLst>
+                                    <p:cond delay="0"/>
+                                  </p:stCondLst>
+                                  <p:childTnLst>
+                                    <p:cmd type="call" cmd="playFrom(0.0)">
+                                      <p:cBhvr>
+                                        <p:cTn id="70" dur="4780" fill="hold"/>
+                                        <p:tgtEl>
+                                          <p:spTgt spid="41"/>
+                                        </p:tgtEl>
+                                      </p:cBhvr>
+                                    </p:cmd>
+                                  </p:childTnLst>
+                                </p:cTn>
+                              </p:par>
+                            </p:childTnLst>
+                          </p:cTn>
+                        </p:par>
+                      </p:childTnLst>
+                    </p:cTn>
+                  </p:par>
                 </p:childTnLst>
               </p:cTn>
               <p:prevCondLst>
@@ -4598,7 +5719,7 @@
             </p:seq>
             <p:audio>
               <p:cMediaNode vol="80000">
-                <p:cTn id="19" fill="hold" display="0">
+                <p:cTn id="71" fill="hold" display="0">
                   <p:stCondLst>
                     <p:cond delay="indefinite"/>
                   </p:stCondLst>
@@ -4617,7 +5738,7 @@
             </p:audio>
             <p:audio>
               <p:cMediaNode vol="80000">
-                <p:cTn id="20" fill="hold" display="0">
+                <p:cTn id="72" fill="hold" display="0">
                   <p:stCondLst>
                     <p:cond delay="indefinite"/>
                   </p:stCondLst>
@@ -4636,7 +5757,7 @@
             </p:audio>
             <p:audio>
               <p:cMediaNode vol="80000">
-                <p:cTn id="21" fill="hold" display="0">
+                <p:cTn id="73" fill="hold" display="0">
                   <p:stCondLst>
                     <p:cond delay="indefinite"/>
                   </p:stCondLst>
@@ -4655,7 +5776,7 @@
             </p:audio>
             <p:audio>
               <p:cMediaNode vol="80000">
-                <p:cTn id="22" fill="hold" display="0">
+                <p:cTn id="74" fill="hold" display="0">
                   <p:stCondLst>
                     <p:cond delay="indefinite"/>
                   </p:stCondLst>
@@ -4669,6 +5790,253 @@
                 </p:cTn>
                 <p:tgtEl>
                   <p:spTgt spid="22"/>
+                </p:tgtEl>
+              </p:cMediaNode>
+            </p:audio>
+            <p:audio>
+              <p:cMediaNode vol="80000">
+                <p:cTn id="75" fill="hold" display="0">
+                  <p:stCondLst>
+                    <p:cond delay="indefinite"/>
+                  </p:stCondLst>
+                  <p:endCondLst>
+                    <p:cond evt="onStopAudio" delay="0">
+                      <p:tgtEl>
+                        <p:sldTgt/>
+                      </p:tgtEl>
+                    </p:cond>
+                  </p:endCondLst>
+                </p:cTn>
+                <p:tgtEl>
+                  <p:spTgt spid="8"/>
+                </p:tgtEl>
+              </p:cMediaNode>
+            </p:audio>
+            <p:audio>
+              <p:cMediaNode vol="80000">
+                <p:cTn id="76" fill="hold" display="0">
+                  <p:stCondLst>
+                    <p:cond delay="indefinite"/>
+                  </p:stCondLst>
+                  <p:endCondLst>
+                    <p:cond evt="onStopAudio" delay="0">
+                      <p:tgtEl>
+                        <p:sldTgt/>
+                      </p:tgtEl>
+                    </p:cond>
+                  </p:endCondLst>
+                </p:cTn>
+                <p:tgtEl>
+                  <p:spTgt spid="14"/>
+                </p:tgtEl>
+              </p:cMediaNode>
+            </p:audio>
+            <p:audio>
+              <p:cMediaNode vol="80000">
+                <p:cTn id="77" fill="hold" display="0">
+                  <p:stCondLst>
+                    <p:cond delay="indefinite"/>
+                  </p:stCondLst>
+                  <p:endCondLst>
+                    <p:cond evt="onStopAudio" delay="0">
+                      <p:tgtEl>
+                        <p:sldTgt/>
+                      </p:tgtEl>
+                    </p:cond>
+                  </p:endCondLst>
+                </p:cTn>
+                <p:tgtEl>
+                  <p:spTgt spid="15"/>
+                </p:tgtEl>
+              </p:cMediaNode>
+            </p:audio>
+            <p:audio>
+              <p:cMediaNode vol="80000">
+                <p:cTn id="78" fill="hold" display="0">
+                  <p:stCondLst>
+                    <p:cond delay="indefinite"/>
+                  </p:stCondLst>
+                  <p:endCondLst>
+                    <p:cond evt="onStopAudio" delay="0">
+                      <p:tgtEl>
+                        <p:sldTgt/>
+                      </p:tgtEl>
+                    </p:cond>
+                  </p:endCondLst>
+                </p:cTn>
+                <p:tgtEl>
+                  <p:spTgt spid="16"/>
+                </p:tgtEl>
+              </p:cMediaNode>
+            </p:audio>
+            <p:audio>
+              <p:cMediaNode vol="80000">
+                <p:cTn id="79" fill="hold" display="0">
+                  <p:stCondLst>
+                    <p:cond delay="indefinite"/>
+                  </p:stCondLst>
+                  <p:endCondLst>
+                    <p:cond evt="onStopAudio" delay="0">
+                      <p:tgtEl>
+                        <p:sldTgt/>
+                      </p:tgtEl>
+                    </p:cond>
+                  </p:endCondLst>
+                </p:cTn>
+                <p:tgtEl>
+                  <p:spTgt spid="17"/>
+                </p:tgtEl>
+              </p:cMediaNode>
+            </p:audio>
+            <p:audio>
+              <p:cMediaNode vol="80000">
+                <p:cTn id="80" fill="hold" display="0">
+                  <p:stCondLst>
+                    <p:cond delay="indefinite"/>
+                  </p:stCondLst>
+                  <p:endCondLst>
+                    <p:cond evt="onStopAudio" delay="0">
+                      <p:tgtEl>
+                        <p:sldTgt/>
+                      </p:tgtEl>
+                    </p:cond>
+                  </p:endCondLst>
+                </p:cTn>
+                <p:tgtEl>
+                  <p:spTgt spid="30"/>
+                </p:tgtEl>
+              </p:cMediaNode>
+            </p:audio>
+            <p:audio>
+              <p:cMediaNode vol="80000">
+                <p:cTn id="81" fill="hold" display="0">
+                  <p:stCondLst>
+                    <p:cond delay="indefinite"/>
+                  </p:stCondLst>
+                  <p:endCondLst>
+                    <p:cond evt="onStopAudio" delay="0">
+                      <p:tgtEl>
+                        <p:sldTgt/>
+                      </p:tgtEl>
+                    </p:cond>
+                  </p:endCondLst>
+                </p:cTn>
+                <p:tgtEl>
+                  <p:spTgt spid="33"/>
+                </p:tgtEl>
+              </p:cMediaNode>
+            </p:audio>
+            <p:audio>
+              <p:cMediaNode vol="80000">
+                <p:cTn id="82" fill="hold" display="0">
+                  <p:stCondLst>
+                    <p:cond delay="indefinite"/>
+                  </p:stCondLst>
+                  <p:endCondLst>
+                    <p:cond evt="onStopAudio" delay="0">
+                      <p:tgtEl>
+                        <p:sldTgt/>
+                      </p:tgtEl>
+                    </p:cond>
+                  </p:endCondLst>
+                </p:cTn>
+                <p:tgtEl>
+                  <p:spTgt spid="34"/>
+                </p:tgtEl>
+              </p:cMediaNode>
+            </p:audio>
+            <p:audio>
+              <p:cMediaNode vol="80000">
+                <p:cTn id="83" fill="hold" display="0">
+                  <p:stCondLst>
+                    <p:cond delay="indefinite"/>
+                  </p:stCondLst>
+                  <p:endCondLst>
+                    <p:cond evt="onStopAudio" delay="0">
+                      <p:tgtEl>
+                        <p:sldTgt/>
+                      </p:tgtEl>
+                    </p:cond>
+                  </p:endCondLst>
+                </p:cTn>
+                <p:tgtEl>
+                  <p:spTgt spid="36"/>
+                </p:tgtEl>
+              </p:cMediaNode>
+            </p:audio>
+            <p:audio>
+              <p:cMediaNode vol="80000">
+                <p:cTn id="84" fill="hold" display="0">
+                  <p:stCondLst>
+                    <p:cond delay="indefinite"/>
+                  </p:stCondLst>
+                  <p:endCondLst>
+                    <p:cond evt="onStopAudio" delay="0">
+                      <p:tgtEl>
+                        <p:sldTgt/>
+                      </p:tgtEl>
+                    </p:cond>
+                  </p:endCondLst>
+                </p:cTn>
+                <p:tgtEl>
+                  <p:spTgt spid="37"/>
+                </p:tgtEl>
+              </p:cMediaNode>
+            </p:audio>
+            <p:audio>
+              <p:cMediaNode vol="80000">
+                <p:cTn id="85" fill="hold" display="0">
+                  <p:stCondLst>
+                    <p:cond delay="indefinite"/>
+                  </p:stCondLst>
+                  <p:endCondLst>
+                    <p:cond evt="onStopAudio" delay="0">
+                      <p:tgtEl>
+                        <p:sldTgt/>
+                      </p:tgtEl>
+                    </p:cond>
+                  </p:endCondLst>
+                </p:cTn>
+                <p:tgtEl>
+                  <p:spTgt spid="38"/>
+                </p:tgtEl>
+              </p:cMediaNode>
+            </p:audio>
+            <p:audio>
+              <p:cMediaNode vol="80000">
+                <p:cTn id="86" fill="hold" display="0">
+                  <p:stCondLst>
+                    <p:cond delay="indefinite"/>
+                  </p:stCondLst>
+                  <p:endCondLst>
+                    <p:cond evt="onStopAudio" delay="0">
+                      <p:tgtEl>
+                        <p:sldTgt/>
+                      </p:tgtEl>
+                    </p:cond>
+                  </p:endCondLst>
+                </p:cTn>
+                <p:tgtEl>
+                  <p:spTgt spid="40"/>
+                </p:tgtEl>
+              </p:cMediaNode>
+            </p:audio>
+            <p:audio>
+              <p:cMediaNode vol="80000">
+                <p:cTn id="87" fill="hold" display="0">
+                  <p:stCondLst>
+                    <p:cond delay="indefinite"/>
+                  </p:stCondLst>
+                  <p:endCondLst>
+                    <p:cond evt="onStopAudio" delay="0">
+                      <p:tgtEl>
+                        <p:sldTgt/>
+                      </p:tgtEl>
+                    </p:cond>
+                  </p:endCondLst>
+                </p:cTn>
+                <p:tgtEl>
+                  <p:spTgt spid="41"/>
                 </p:tgtEl>
               </p:cMediaNode>
             </p:audio>
